--- a/figs/arch.pptx
+++ b/figs/arch.pptx
@@ -6,6 +6,7 @@
   </p:sldMasterIdLst>
   <p:sldIdLst>
     <p:sldId id="257" r:id="rId2"/>
+    <p:sldId id="258" r:id="rId3"/>
   </p:sldIdLst>
   <p:sldSz cx="12192000" cy="6858000"/>
   <p:notesSz cx="6858000" cy="9144000"/>
@@ -3340,7 +3341,7 @@
         </p:nvSpPr>
         <p:spPr>
           <a:xfrm>
-            <a:off x="4700588" y="725804"/>
+            <a:off x="4700588" y="1347596"/>
             <a:ext cx="3929062" cy="957263"/>
           </a:xfrm>
           <a:prstGeom prst="rect">
@@ -3348,7 +3349,7 @@
           </a:prstGeom>
           <a:ln w="28575">
             <a:solidFill>
-              <a:schemeClr val="accent1"/>
+              <a:schemeClr val="tx1"/>
             </a:solidFill>
           </a:ln>
         </p:spPr>
@@ -3377,14 +3378,7 @@
             </a:r>
             <a:r>
               <a:rPr lang="en-US" sz="2400" dirty="0"/>
-              <a:t> Application </a:t>
-            </a:r>
-          </a:p>
-          <a:p>
-            <a:pPr algn="ctr"/>
-            <a:r>
-              <a:rPr lang="en-US" sz="2400" dirty="0"/>
-              <a:t>Program </a:t>
+              <a:t> application  </a:t>
             </a:r>
           </a:p>
         </p:txBody>
@@ -3403,7 +3397,7 @@
         </p:nvSpPr>
         <p:spPr>
           <a:xfrm>
-            <a:off x="4700588" y="2374582"/>
+            <a:off x="4700588" y="2996374"/>
             <a:ext cx="3929062" cy="957263"/>
           </a:xfrm>
           <a:prstGeom prst="rect">
@@ -3411,7 +3405,7 @@
           </a:prstGeom>
           <a:ln w="28575">
             <a:solidFill>
-              <a:schemeClr val="accent1"/>
+              <a:schemeClr val="tx1"/>
             </a:solidFill>
           </a:ln>
         </p:spPr>
@@ -3436,7 +3430,7 @@
             <a:pPr algn="ctr"/>
             <a:r>
               <a:rPr lang="en-US" sz="2400" dirty="0"/>
-              <a:t>Controller</a:t>
+              <a:t>controller</a:t>
             </a:r>
           </a:p>
         </p:txBody>
@@ -3455,7 +3449,7 @@
         </p:nvSpPr>
         <p:spPr>
           <a:xfrm>
-            <a:off x="4700588" y="4005262"/>
+            <a:off x="4700588" y="4627054"/>
             <a:ext cx="3929062" cy="957263"/>
           </a:xfrm>
           <a:prstGeom prst="rect">
@@ -3463,7 +3457,7 @@
           </a:prstGeom>
           <a:ln w="28575">
             <a:solidFill>
-              <a:schemeClr val="accent1"/>
+              <a:schemeClr val="tx1"/>
             </a:solidFill>
           </a:ln>
         </p:spPr>
@@ -3488,7 +3482,7 @@
             <a:pPr algn="ctr"/>
             <a:r>
               <a:rPr lang="en-US" sz="2400" dirty="0"/>
-              <a:t>Physical Plant</a:t>
+              <a:t>plant</a:t>
             </a:r>
           </a:p>
         </p:txBody>
@@ -3502,18 +3496,24 @@
               </a:ext>
             </a:extLst>
           </p:cNvPr>
-          <p:cNvCxnSpPr/>
+          <p:cNvCxnSpPr>
+            <a:cxnSpLocks/>
+          </p:cNvCxnSpPr>
           <p:nvPr/>
         </p:nvCxnSpPr>
         <p:spPr>
-          <a:xfrm>
-            <a:off x="5684520" y="1683067"/>
+          <a:xfrm flipV="1">
+            <a:off x="5699760" y="2304859"/>
             <a:ext cx="0" cy="691515"/>
           </a:xfrm>
           <a:prstGeom prst="straightConnector1">
             <a:avLst/>
           </a:prstGeom>
           <a:ln w="34925">
+            <a:solidFill>
+              <a:schemeClr val="tx1"/>
+            </a:solidFill>
+            <a:headEnd type="oval"/>
             <a:tailEnd type="triangle"/>
           </a:ln>
         </p:spPr>
@@ -3548,14 +3548,18 @@
         </p:nvCxnSpPr>
         <p:spPr>
           <a:xfrm flipV="1">
-            <a:off x="7406640" y="1683068"/>
-            <a:ext cx="0" cy="673416"/>
+            <a:off x="7406640" y="2304860"/>
+            <a:ext cx="0" cy="691514"/>
           </a:xfrm>
           <a:prstGeom prst="straightConnector1">
             <a:avLst/>
           </a:prstGeom>
           <a:ln w="34925">
-            <a:tailEnd type="triangle"/>
+            <a:solidFill>
+              <a:schemeClr val="tx1"/>
+            </a:solidFill>
+            <a:headEnd type="triangle"/>
+            <a:tailEnd type="oval"/>
           </a:ln>
         </p:spPr>
         <p:style>
@@ -3587,13 +3591,16 @@
         </p:nvCxnSpPr>
         <p:spPr>
           <a:xfrm>
-            <a:off x="5699760" y="3331845"/>
+            <a:off x="5699760" y="3953637"/>
             <a:ext cx="0" cy="691515"/>
           </a:xfrm>
           <a:prstGeom prst="straightConnector1">
             <a:avLst/>
           </a:prstGeom>
           <a:ln w="34925">
+            <a:solidFill>
+              <a:schemeClr val="tx1"/>
+            </a:solidFill>
             <a:tailEnd type="triangle"/>
           </a:ln>
         </p:spPr>
@@ -3612,12 +3619,167 @@
           </a:fontRef>
         </p:style>
       </p:cxnSp>
+      <p:sp>
+        <p:nvSpPr>
+          <p:cNvPr id="16" name="TextBox 15">
+            <a:extLst>
+              <a:ext uri="{FF2B5EF4-FFF2-40B4-BE49-F238E27FC236}">
+                <a16:creationId xmlns:a16="http://schemas.microsoft.com/office/drawing/2014/main" id="{4B242280-1447-344D-8694-92A44920BB01}"/>
+              </a:ext>
+            </a:extLst>
+          </p:cNvPr>
+          <p:cNvSpPr txBox="1"/>
+          <p:nvPr/>
+        </p:nvSpPr>
+        <p:spPr>
+          <a:xfrm>
+            <a:off x="4700588" y="2288487"/>
+            <a:ext cx="999172" cy="707886"/>
+          </a:xfrm>
+          <a:prstGeom prst="rect">
+            <a:avLst/>
+          </a:prstGeom>
+          <a:noFill/>
+        </p:spPr>
+        <p:txBody>
+          <a:bodyPr wrap="square" rtlCol="0">
+            <a:spAutoFit/>
+          </a:bodyPr>
+          <a:lstStyle/>
+          <a:p>
+            <a:pPr algn="r"/>
+            <a:r>
+              <a:rPr lang="en-US" sz="2000" dirty="0"/>
+              <a:t>sensor </a:t>
+            </a:r>
+          </a:p>
+          <a:p>
+            <a:pPr algn="r"/>
+            <a:r>
+              <a:rPr lang="en-US" sz="2000" dirty="0"/>
+              <a:t>ports</a:t>
+            </a:r>
+          </a:p>
+        </p:txBody>
+      </p:sp>
+      <p:sp>
+        <p:nvSpPr>
+          <p:cNvPr id="39" name="TextBox 38">
+            <a:extLst>
+              <a:ext uri="{FF2B5EF4-FFF2-40B4-BE49-F238E27FC236}">
+                <a16:creationId xmlns:a16="http://schemas.microsoft.com/office/drawing/2014/main" id="{A725A882-6546-A046-88AC-5673A4551377}"/>
+              </a:ext>
+            </a:extLst>
+          </p:cNvPr>
+          <p:cNvSpPr txBox="1"/>
+          <p:nvPr/>
+        </p:nvSpPr>
+        <p:spPr>
+          <a:xfrm>
+            <a:off x="7465312" y="2322957"/>
+            <a:ext cx="2346962" cy="707886"/>
+          </a:xfrm>
+          <a:prstGeom prst="rect">
+            <a:avLst/>
+          </a:prstGeom>
+          <a:noFill/>
+        </p:spPr>
+        <p:txBody>
+          <a:bodyPr wrap="square" rtlCol="0">
+            <a:spAutoFit/>
+          </a:bodyPr>
+          <a:lstStyle/>
+          <a:p>
+            <a:r>
+              <a:rPr lang="en-US" sz="2000" dirty="0"/>
+              <a:t>actuator </a:t>
+            </a:r>
+          </a:p>
+          <a:p>
+            <a:r>
+              <a:rPr lang="en-US" sz="2000" dirty="0"/>
+              <a:t>ports</a:t>
+            </a:r>
+          </a:p>
+        </p:txBody>
+      </p:sp>
+      <p:sp>
+        <p:nvSpPr>
+          <p:cNvPr id="49" name="TextBox 48">
+            <a:extLst>
+              <a:ext uri="{FF2B5EF4-FFF2-40B4-BE49-F238E27FC236}">
+                <a16:creationId xmlns:a16="http://schemas.microsoft.com/office/drawing/2014/main" id="{C1E776CD-40D8-544A-BA2F-C822EDB0AA61}"/>
+              </a:ext>
+            </a:extLst>
+          </p:cNvPr>
+          <p:cNvSpPr txBox="1"/>
+          <p:nvPr/>
+        </p:nvSpPr>
+        <p:spPr>
+          <a:xfrm>
+            <a:off x="4030981" y="3919167"/>
+            <a:ext cx="1699260" cy="707886"/>
+          </a:xfrm>
+          <a:prstGeom prst="rect">
+            <a:avLst/>
+          </a:prstGeom>
+          <a:noFill/>
+        </p:spPr>
+        <p:txBody>
+          <a:bodyPr wrap="square" rtlCol="0">
+            <a:spAutoFit/>
+          </a:bodyPr>
+          <a:lstStyle/>
+          <a:p>
+            <a:pPr algn="r"/>
+            <a:r>
+              <a:rPr lang="en-US" sz="2000" dirty="0"/>
+              <a:t>sensor messages </a:t>
+            </a:r>
+          </a:p>
+        </p:txBody>
+      </p:sp>
+      <p:sp>
+        <p:nvSpPr>
+          <p:cNvPr id="50" name="TextBox 49">
+            <a:extLst>
+              <a:ext uri="{FF2B5EF4-FFF2-40B4-BE49-F238E27FC236}">
+                <a16:creationId xmlns:a16="http://schemas.microsoft.com/office/drawing/2014/main" id="{5954838B-01B1-0D40-9D6D-7C33300F1B6E}"/>
+              </a:ext>
+            </a:extLst>
+          </p:cNvPr>
+          <p:cNvSpPr txBox="1"/>
+          <p:nvPr/>
+        </p:nvSpPr>
+        <p:spPr>
+          <a:xfrm>
+            <a:off x="7459981" y="3944616"/>
+            <a:ext cx="1268729" cy="707886"/>
+          </a:xfrm>
+          <a:prstGeom prst="rect">
+            <a:avLst/>
+          </a:prstGeom>
+          <a:noFill/>
+        </p:spPr>
+        <p:txBody>
+          <a:bodyPr wrap="square" rtlCol="0">
+            <a:spAutoFit/>
+          </a:bodyPr>
+          <a:lstStyle/>
+          <a:p>
+            <a:r>
+              <a:rPr lang="en-US" sz="2000" dirty="0"/>
+              <a:t>actuator messages</a:t>
+            </a:r>
+          </a:p>
+        </p:txBody>
+      </p:sp>
       <p:cxnSp>
         <p:nvCxnSpPr>
-          <p:cNvPr id="36" name="Straight Arrow Connector 35">
-            <a:extLst>
-              <a:ext uri="{FF2B5EF4-FFF2-40B4-BE49-F238E27FC236}">
-                <a16:creationId xmlns:a16="http://schemas.microsoft.com/office/drawing/2014/main" id="{A83E38F3-D25F-474F-80E5-65DB3C82DA65}"/>
+          <p:cNvPr id="17" name="Straight Arrow Connector 16">
+            <a:extLst>
+              <a:ext uri="{FF2B5EF4-FFF2-40B4-BE49-F238E27FC236}">
+                <a16:creationId xmlns:a16="http://schemas.microsoft.com/office/drawing/2014/main" id="{D5AE618C-27BB-6249-92DB-7EAEC6570AD3}"/>
               </a:ext>
             </a:extLst>
           </p:cNvPr>
@@ -3628,14 +3790,18 @@
         </p:nvCxnSpPr>
         <p:spPr>
           <a:xfrm flipV="1">
-            <a:off x="7406640" y="3340894"/>
-            <a:ext cx="0" cy="673416"/>
+            <a:off x="7406640" y="3953638"/>
+            <a:ext cx="0" cy="691514"/>
           </a:xfrm>
           <a:prstGeom prst="straightConnector1">
             <a:avLst/>
           </a:prstGeom>
           <a:ln w="34925">
-            <a:tailEnd type="triangle"/>
+            <a:solidFill>
+              <a:schemeClr val="tx1"/>
+            </a:solidFill>
+            <a:headEnd type="triangle"/>
+            <a:tailEnd type="oval"/>
           </a:ln>
         </p:spPr>
         <p:style>
@@ -3655,140 +3821,1171 @@
       </p:cxnSp>
       <p:sp>
         <p:nvSpPr>
-          <p:cNvPr id="16" name="TextBox 15">
-            <a:extLst>
-              <a:ext uri="{FF2B5EF4-FFF2-40B4-BE49-F238E27FC236}">
-                <a16:creationId xmlns:a16="http://schemas.microsoft.com/office/drawing/2014/main" id="{4B242280-1447-344D-8694-92A44920BB01}"/>
-              </a:ext>
-            </a:extLst>
-          </p:cNvPr>
-          <p:cNvSpPr txBox="1"/>
+          <p:cNvPr id="18" name="Rectangle 17">
+            <a:extLst>
+              <a:ext uri="{FF2B5EF4-FFF2-40B4-BE49-F238E27FC236}">
+                <a16:creationId xmlns:a16="http://schemas.microsoft.com/office/drawing/2014/main" id="{3E2FE85C-27B9-694C-B744-D45AF2050CBE}"/>
+              </a:ext>
+            </a:extLst>
+          </p:cNvPr>
+          <p:cNvSpPr/>
           <p:nvPr/>
         </p:nvSpPr>
         <p:spPr>
           <a:xfrm>
-            <a:off x="3779519" y="1807041"/>
-            <a:ext cx="2346962" cy="461665"/>
+            <a:off x="4517136" y="566928"/>
+            <a:ext cx="4264914" cy="5486400"/>
           </a:xfrm>
           <a:prstGeom prst="rect">
             <a:avLst/>
           </a:prstGeom>
           <a:noFill/>
+          <a:ln w="28575">
+            <a:solidFill>
+              <a:schemeClr val="tx1"/>
+            </a:solidFill>
+          </a:ln>
         </p:spPr>
-        <p:txBody>
-          <a:bodyPr wrap="square" rtlCol="0">
-            <a:spAutoFit/>
-          </a:bodyPr>
-          <a:lstStyle/>
-          <a:p>
+        <p:style>
+          <a:lnRef idx="2">
+            <a:schemeClr val="accent6"/>
+          </a:lnRef>
+          <a:fillRef idx="1">
+            <a:schemeClr val="lt1"/>
+          </a:fillRef>
+          <a:effectRef idx="0">
+            <a:schemeClr val="accent6"/>
+          </a:effectRef>
+          <a:fontRef idx="minor">
+            <a:schemeClr val="dk1"/>
+          </a:fontRef>
+        </p:style>
+        <p:txBody>
+          <a:bodyPr rtlCol="0" anchor="ctr"/>
+          <a:lstStyle/>
+          <a:p>
+            <a:pPr algn="ctr"/>
             <a:r>
               <a:rPr lang="en-US" sz="2400" dirty="0"/>
-              <a:t>Sensor Ports</a:t>
-            </a:r>
-          </a:p>
-        </p:txBody>
-      </p:sp>
-      <p:sp>
-        <p:nvSpPr>
-          <p:cNvPr id="39" name="TextBox 38">
-            <a:extLst>
-              <a:ext uri="{FF2B5EF4-FFF2-40B4-BE49-F238E27FC236}">
-                <a16:creationId xmlns:a16="http://schemas.microsoft.com/office/drawing/2014/main" id="{A725A882-6546-A046-88AC-5673A4551377}"/>
-              </a:ext>
-            </a:extLst>
-          </p:cNvPr>
-          <p:cNvSpPr txBox="1"/>
+              <a:t>agent</a:t>
+            </a:r>
+          </a:p>
+          <a:p>
+            <a:pPr algn="ctr"/>
+            <a:endParaRPr lang="en-US" sz="2400" dirty="0"/>
+          </a:p>
+          <a:p>
+            <a:pPr algn="ctr"/>
+            <a:endParaRPr lang="en-US" sz="2400" dirty="0"/>
+          </a:p>
+          <a:p>
+            <a:pPr algn="ctr"/>
+            <a:endParaRPr lang="en-US" sz="2400" dirty="0"/>
+          </a:p>
+          <a:p>
+            <a:pPr algn="ctr"/>
+            <a:endParaRPr lang="en-US" sz="2400" dirty="0"/>
+          </a:p>
+          <a:p>
+            <a:pPr algn="ctr"/>
+            <a:endParaRPr lang="en-US" sz="2400" dirty="0"/>
+          </a:p>
+          <a:p>
+            <a:pPr algn="ctr"/>
+            <a:endParaRPr lang="en-US" sz="2400" dirty="0"/>
+          </a:p>
+          <a:p>
+            <a:pPr algn="ctr"/>
+            <a:endParaRPr lang="en-US" sz="2400" dirty="0"/>
+          </a:p>
+          <a:p>
+            <a:pPr algn="ctr"/>
+            <a:endParaRPr lang="en-US" sz="2400" dirty="0"/>
+          </a:p>
+          <a:p>
+            <a:pPr algn="ctr"/>
+            <a:endParaRPr lang="en-US" sz="2400" dirty="0"/>
+          </a:p>
+          <a:p>
+            <a:pPr algn="ctr"/>
+            <a:endParaRPr lang="en-US" sz="2400" dirty="0"/>
+          </a:p>
+          <a:p>
+            <a:pPr algn="ctr"/>
+            <a:endParaRPr lang="en-US" sz="2400" dirty="0"/>
+          </a:p>
+          <a:p>
+            <a:pPr algn="ctr"/>
+            <a:endParaRPr lang="en-US" sz="2400" dirty="0"/>
+          </a:p>
+          <a:p>
+            <a:pPr algn="ctr"/>
+            <a:endParaRPr lang="en-US" sz="2400" dirty="0"/>
+          </a:p>
+        </p:txBody>
+      </p:sp>
+    </p:spTree>
+    <p:extLst>
+      <p:ext uri="{BB962C8B-B14F-4D97-AF65-F5344CB8AC3E}">
+        <p14:creationId xmlns:p14="http://schemas.microsoft.com/office/powerpoint/2010/main" val="2537745945"/>
+      </p:ext>
+    </p:extLst>
+  </p:cSld>
+  <p:clrMapOvr>
+    <a:masterClrMapping/>
+  </p:clrMapOvr>
+</p:sld>
+</file>
+
+<file path=ppt/slides/slide2.xml><?xml version="1.0" encoding="utf-8"?>
+<p:sld xmlns:a="http://schemas.openxmlformats.org/drawingml/2006/main" xmlns:r="http://schemas.openxmlformats.org/officeDocument/2006/relationships" xmlns:p="http://schemas.openxmlformats.org/presentationml/2006/main">
+  <p:cSld>
+    <p:spTree>
+      <p:nvGrpSpPr>
+        <p:cNvPr id="1" name=""/>
+        <p:cNvGrpSpPr/>
+        <p:nvPr/>
+      </p:nvGrpSpPr>
+      <p:grpSpPr>
+        <a:xfrm>
+          <a:off x="0" y="0"/>
+          <a:ext cx="0" cy="0"/>
+          <a:chOff x="0" y="0"/>
+          <a:chExt cx="0" cy="0"/>
+        </a:xfrm>
+      </p:grpSpPr>
+      <p:grpSp>
+        <p:nvGrpSpPr>
+          <p:cNvPr id="17" name="Group 16">
+            <a:extLst>
+              <a:ext uri="{FF2B5EF4-FFF2-40B4-BE49-F238E27FC236}">
+                <a16:creationId xmlns:a16="http://schemas.microsoft.com/office/drawing/2014/main" id="{80768C6A-A075-944F-A179-20E9E2883E85}"/>
+              </a:ext>
+            </a:extLst>
+          </p:cNvPr>
+          <p:cNvGrpSpPr/>
+          <p:nvPr/>
+        </p:nvGrpSpPr>
+        <p:grpSpPr>
+          <a:xfrm>
+            <a:off x="7352388" y="1474746"/>
+            <a:ext cx="2352005" cy="3025627"/>
+            <a:chOff x="4517136" y="566928"/>
+            <a:chExt cx="4264914" cy="5486400"/>
+          </a:xfrm>
+        </p:grpSpPr>
+        <p:sp>
+          <p:nvSpPr>
+            <p:cNvPr id="18" name="Rectangle 17">
+              <a:extLst>
+                <a:ext uri="{FF2B5EF4-FFF2-40B4-BE49-F238E27FC236}">
+                  <a16:creationId xmlns:a16="http://schemas.microsoft.com/office/drawing/2014/main" id="{B5993A10-9DDB-B948-AF13-9CF7A9E10E5B}"/>
+                </a:ext>
+              </a:extLst>
+            </p:cNvPr>
+            <p:cNvSpPr/>
+            <p:nvPr/>
+          </p:nvSpPr>
+          <p:spPr>
+            <a:xfrm>
+              <a:off x="4700588" y="1347596"/>
+              <a:ext cx="3929062" cy="957263"/>
+            </a:xfrm>
+            <a:prstGeom prst="rect">
+              <a:avLst/>
+            </a:prstGeom>
+            <a:ln w="28575">
+              <a:solidFill>
+                <a:schemeClr val="tx1"/>
+              </a:solidFill>
+            </a:ln>
+          </p:spPr>
+          <p:style>
+            <a:lnRef idx="2">
+              <a:schemeClr val="accent6"/>
+            </a:lnRef>
+            <a:fillRef idx="1">
+              <a:schemeClr val="lt1"/>
+            </a:fillRef>
+            <a:effectRef idx="0">
+              <a:schemeClr val="accent6"/>
+            </a:effectRef>
+            <a:fontRef idx="minor">
+              <a:schemeClr val="dk1"/>
+            </a:fontRef>
+          </p:style>
+          <p:txBody>
+            <a:bodyPr rtlCol="0" anchor="ctr"/>
+            <a:lstStyle/>
+            <a:p>
+              <a:pPr algn="ctr"/>
+              <a:r>
+                <a:rPr lang="en-US" dirty="0" err="1"/>
+                <a:t>Koord</a:t>
+              </a:r>
+              <a:r>
+                <a:rPr lang="en-US" dirty="0"/>
+                <a:t> application  </a:t>
+              </a:r>
+            </a:p>
+          </p:txBody>
+        </p:sp>
+        <p:sp>
+          <p:nvSpPr>
+            <p:cNvPr id="19" name="Rectangle 18">
+              <a:extLst>
+                <a:ext uri="{FF2B5EF4-FFF2-40B4-BE49-F238E27FC236}">
+                  <a16:creationId xmlns:a16="http://schemas.microsoft.com/office/drawing/2014/main" id="{6B688AD5-672B-AB4E-B97A-B48175FBACBD}"/>
+                </a:ext>
+              </a:extLst>
+            </p:cNvPr>
+            <p:cNvSpPr/>
+            <p:nvPr/>
+          </p:nvSpPr>
+          <p:spPr>
+            <a:xfrm>
+              <a:off x="4700588" y="2996374"/>
+              <a:ext cx="3929062" cy="957263"/>
+            </a:xfrm>
+            <a:prstGeom prst="rect">
+              <a:avLst/>
+            </a:prstGeom>
+            <a:ln w="28575">
+              <a:solidFill>
+                <a:schemeClr val="tx1"/>
+              </a:solidFill>
+            </a:ln>
+          </p:spPr>
+          <p:style>
+            <a:lnRef idx="2">
+              <a:schemeClr val="accent6"/>
+            </a:lnRef>
+            <a:fillRef idx="1">
+              <a:schemeClr val="lt1"/>
+            </a:fillRef>
+            <a:effectRef idx="0">
+              <a:schemeClr val="accent6"/>
+            </a:effectRef>
+            <a:fontRef idx="minor">
+              <a:schemeClr val="dk1"/>
+            </a:fontRef>
+          </p:style>
+          <p:txBody>
+            <a:bodyPr rtlCol="0" anchor="ctr"/>
+            <a:lstStyle/>
+            <a:p>
+              <a:pPr algn="ctr"/>
+              <a:r>
+                <a:rPr lang="en-US" dirty="0"/>
+                <a:t>controller</a:t>
+              </a:r>
+              <a:r>
+                <a:rPr lang="en-US" baseline="-25000" dirty="0"/>
+                <a:t>2</a:t>
+              </a:r>
+              <a:endParaRPr lang="en-US" dirty="0"/>
+            </a:p>
+          </p:txBody>
+        </p:sp>
+        <p:sp>
+          <p:nvSpPr>
+            <p:cNvPr id="20" name="Rectangle 19">
+              <a:extLst>
+                <a:ext uri="{FF2B5EF4-FFF2-40B4-BE49-F238E27FC236}">
+                  <a16:creationId xmlns:a16="http://schemas.microsoft.com/office/drawing/2014/main" id="{90CC2868-2B3F-614D-B7A8-33D5043ACC41}"/>
+                </a:ext>
+              </a:extLst>
+            </p:cNvPr>
+            <p:cNvSpPr/>
+            <p:nvPr/>
+          </p:nvSpPr>
+          <p:spPr>
+            <a:xfrm>
+              <a:off x="4700588" y="4627054"/>
+              <a:ext cx="3929062" cy="957263"/>
+            </a:xfrm>
+            <a:prstGeom prst="rect">
+              <a:avLst/>
+            </a:prstGeom>
+            <a:ln w="28575">
+              <a:solidFill>
+                <a:schemeClr val="tx1"/>
+              </a:solidFill>
+            </a:ln>
+          </p:spPr>
+          <p:style>
+            <a:lnRef idx="2">
+              <a:schemeClr val="accent6"/>
+            </a:lnRef>
+            <a:fillRef idx="1">
+              <a:schemeClr val="lt1"/>
+            </a:fillRef>
+            <a:effectRef idx="0">
+              <a:schemeClr val="accent6"/>
+            </a:effectRef>
+            <a:fontRef idx="minor">
+              <a:schemeClr val="dk1"/>
+            </a:fontRef>
+          </p:style>
+          <p:txBody>
+            <a:bodyPr rtlCol="0" anchor="ctr"/>
+            <a:lstStyle/>
+            <a:p>
+              <a:pPr algn="ctr"/>
+              <a:r>
+                <a:rPr lang="en-US" dirty="0"/>
+                <a:t>plant</a:t>
+              </a:r>
+              <a:r>
+                <a:rPr lang="en-US" baseline="-25000" dirty="0"/>
+                <a:t>2</a:t>
+              </a:r>
+              <a:endParaRPr lang="en-US" dirty="0"/>
+            </a:p>
+          </p:txBody>
+        </p:sp>
+        <p:cxnSp>
+          <p:nvCxnSpPr>
+            <p:cNvPr id="21" name="Straight Arrow Connector 20">
+              <a:extLst>
+                <a:ext uri="{FF2B5EF4-FFF2-40B4-BE49-F238E27FC236}">
+                  <a16:creationId xmlns:a16="http://schemas.microsoft.com/office/drawing/2014/main" id="{0D3BAE45-B9E7-BC41-9D09-E47FFE6E3F29}"/>
+                </a:ext>
+              </a:extLst>
+            </p:cNvPr>
+            <p:cNvCxnSpPr>
+              <a:cxnSpLocks/>
+            </p:cNvCxnSpPr>
+            <p:nvPr/>
+          </p:nvCxnSpPr>
+          <p:spPr>
+            <a:xfrm flipV="1">
+              <a:off x="5699760" y="2304859"/>
+              <a:ext cx="0" cy="691515"/>
+            </a:xfrm>
+            <a:prstGeom prst="straightConnector1">
+              <a:avLst/>
+            </a:prstGeom>
+            <a:ln w="34925">
+              <a:solidFill>
+                <a:schemeClr val="tx1"/>
+              </a:solidFill>
+              <a:headEnd type="oval"/>
+              <a:tailEnd type="triangle"/>
+            </a:ln>
+          </p:spPr>
+          <p:style>
+            <a:lnRef idx="1">
+              <a:schemeClr val="accent1"/>
+            </a:lnRef>
+            <a:fillRef idx="0">
+              <a:schemeClr val="accent1"/>
+            </a:fillRef>
+            <a:effectRef idx="0">
+              <a:schemeClr val="accent1"/>
+            </a:effectRef>
+            <a:fontRef idx="minor">
+              <a:schemeClr val="tx1"/>
+            </a:fontRef>
+          </p:style>
+        </p:cxnSp>
+        <p:cxnSp>
+          <p:nvCxnSpPr>
+            <p:cNvPr id="22" name="Straight Arrow Connector 21">
+              <a:extLst>
+                <a:ext uri="{FF2B5EF4-FFF2-40B4-BE49-F238E27FC236}">
+                  <a16:creationId xmlns:a16="http://schemas.microsoft.com/office/drawing/2014/main" id="{07E34F6D-E21B-374C-80E2-A1A83F9B9190}"/>
+                </a:ext>
+              </a:extLst>
+            </p:cNvPr>
+            <p:cNvCxnSpPr>
+              <a:cxnSpLocks/>
+            </p:cNvCxnSpPr>
+            <p:nvPr/>
+          </p:nvCxnSpPr>
+          <p:spPr>
+            <a:xfrm flipV="1">
+              <a:off x="7406640" y="2304860"/>
+              <a:ext cx="0" cy="691514"/>
+            </a:xfrm>
+            <a:prstGeom prst="straightConnector1">
+              <a:avLst/>
+            </a:prstGeom>
+            <a:ln w="34925">
+              <a:solidFill>
+                <a:schemeClr val="tx1"/>
+              </a:solidFill>
+              <a:headEnd type="triangle"/>
+              <a:tailEnd type="oval"/>
+            </a:ln>
+          </p:spPr>
+          <p:style>
+            <a:lnRef idx="1">
+              <a:schemeClr val="accent1"/>
+            </a:lnRef>
+            <a:fillRef idx="0">
+              <a:schemeClr val="accent1"/>
+            </a:fillRef>
+            <a:effectRef idx="0">
+              <a:schemeClr val="accent1"/>
+            </a:effectRef>
+            <a:fontRef idx="minor">
+              <a:schemeClr val="tx1"/>
+            </a:fontRef>
+          </p:style>
+        </p:cxnSp>
+        <p:cxnSp>
+          <p:nvCxnSpPr>
+            <p:cNvPr id="23" name="Straight Arrow Connector 22">
+              <a:extLst>
+                <a:ext uri="{FF2B5EF4-FFF2-40B4-BE49-F238E27FC236}">
+                  <a16:creationId xmlns:a16="http://schemas.microsoft.com/office/drawing/2014/main" id="{8C6365ED-EB90-374C-B584-BAE52466AAB9}"/>
+                </a:ext>
+              </a:extLst>
+            </p:cNvPr>
+            <p:cNvCxnSpPr/>
+            <p:nvPr/>
+          </p:nvCxnSpPr>
+          <p:spPr>
+            <a:xfrm>
+              <a:off x="5699760" y="3953637"/>
+              <a:ext cx="0" cy="691515"/>
+            </a:xfrm>
+            <a:prstGeom prst="straightConnector1">
+              <a:avLst/>
+            </a:prstGeom>
+            <a:ln w="34925">
+              <a:solidFill>
+                <a:schemeClr val="tx1"/>
+              </a:solidFill>
+              <a:tailEnd type="triangle"/>
+            </a:ln>
+          </p:spPr>
+          <p:style>
+            <a:lnRef idx="1">
+              <a:schemeClr val="accent1"/>
+            </a:lnRef>
+            <a:fillRef idx="0">
+              <a:schemeClr val="accent1"/>
+            </a:fillRef>
+            <a:effectRef idx="0">
+              <a:schemeClr val="accent1"/>
+            </a:effectRef>
+            <a:fontRef idx="minor">
+              <a:schemeClr val="tx1"/>
+            </a:fontRef>
+          </p:style>
+        </p:cxnSp>
+        <p:cxnSp>
+          <p:nvCxnSpPr>
+            <p:cNvPr id="24" name="Straight Arrow Connector 23">
+              <a:extLst>
+                <a:ext uri="{FF2B5EF4-FFF2-40B4-BE49-F238E27FC236}">
+                  <a16:creationId xmlns:a16="http://schemas.microsoft.com/office/drawing/2014/main" id="{1DFB2E2F-3CE5-014E-829C-ACC586F6E15C}"/>
+                </a:ext>
+              </a:extLst>
+            </p:cNvPr>
+            <p:cNvCxnSpPr>
+              <a:cxnSpLocks/>
+            </p:cNvCxnSpPr>
+            <p:nvPr/>
+          </p:nvCxnSpPr>
+          <p:spPr>
+            <a:xfrm flipV="1">
+              <a:off x="7406640" y="3953638"/>
+              <a:ext cx="0" cy="691514"/>
+            </a:xfrm>
+            <a:prstGeom prst="straightConnector1">
+              <a:avLst/>
+            </a:prstGeom>
+            <a:ln w="34925">
+              <a:solidFill>
+                <a:schemeClr val="tx1"/>
+              </a:solidFill>
+              <a:headEnd type="triangle"/>
+              <a:tailEnd type="oval"/>
+            </a:ln>
+          </p:spPr>
+          <p:style>
+            <a:lnRef idx="1">
+              <a:schemeClr val="accent1"/>
+            </a:lnRef>
+            <a:fillRef idx="0">
+              <a:schemeClr val="accent1"/>
+            </a:fillRef>
+            <a:effectRef idx="0">
+              <a:schemeClr val="accent1"/>
+            </a:effectRef>
+            <a:fontRef idx="minor">
+              <a:schemeClr val="tx1"/>
+            </a:fontRef>
+          </p:style>
+        </p:cxnSp>
+        <p:sp>
+          <p:nvSpPr>
+            <p:cNvPr id="25" name="Rectangle 24">
+              <a:extLst>
+                <a:ext uri="{FF2B5EF4-FFF2-40B4-BE49-F238E27FC236}">
+                  <a16:creationId xmlns:a16="http://schemas.microsoft.com/office/drawing/2014/main" id="{9FCA2326-A3ED-B147-991D-1611143D7DC8}"/>
+                </a:ext>
+              </a:extLst>
+            </p:cNvPr>
+            <p:cNvSpPr/>
+            <p:nvPr/>
+          </p:nvSpPr>
+          <p:spPr>
+            <a:xfrm>
+              <a:off x="4517136" y="566928"/>
+              <a:ext cx="4264914" cy="5486400"/>
+            </a:xfrm>
+            <a:prstGeom prst="rect">
+              <a:avLst/>
+            </a:prstGeom>
+            <a:noFill/>
+            <a:ln w="28575">
+              <a:solidFill>
+                <a:schemeClr val="tx1"/>
+              </a:solidFill>
+            </a:ln>
+          </p:spPr>
+          <p:style>
+            <a:lnRef idx="2">
+              <a:schemeClr val="accent6"/>
+            </a:lnRef>
+            <a:fillRef idx="1">
+              <a:schemeClr val="lt1"/>
+            </a:fillRef>
+            <a:effectRef idx="0">
+              <a:schemeClr val="accent6"/>
+            </a:effectRef>
+            <a:fontRef idx="minor">
+              <a:schemeClr val="dk1"/>
+            </a:fontRef>
+          </p:style>
+          <p:txBody>
+            <a:bodyPr rtlCol="0" anchor="ctr"/>
+            <a:lstStyle/>
+            <a:p>
+              <a:pPr algn="ctr"/>
+              <a:r>
+                <a:rPr lang="en-US" dirty="0"/>
+                <a:t>agent</a:t>
+              </a:r>
+              <a:r>
+                <a:rPr lang="en-US" baseline="-25000" dirty="0"/>
+                <a:t>2</a:t>
+              </a:r>
+              <a:endParaRPr lang="en-US" dirty="0"/>
+            </a:p>
+            <a:p>
+              <a:pPr algn="ctr"/>
+              <a:endParaRPr lang="en-US" dirty="0"/>
+            </a:p>
+            <a:p>
+              <a:pPr algn="ctr"/>
+              <a:endParaRPr lang="en-US" dirty="0"/>
+            </a:p>
+            <a:p>
+              <a:pPr algn="ctr"/>
+              <a:endParaRPr lang="en-US" dirty="0"/>
+            </a:p>
+            <a:p>
+              <a:pPr algn="ctr"/>
+              <a:endParaRPr lang="en-US" dirty="0"/>
+            </a:p>
+            <a:p>
+              <a:pPr algn="ctr"/>
+              <a:endParaRPr lang="en-US" dirty="0"/>
+            </a:p>
+            <a:p>
+              <a:pPr algn="ctr"/>
+              <a:endParaRPr lang="en-US" dirty="0"/>
+            </a:p>
+            <a:p>
+              <a:pPr algn="ctr"/>
+              <a:endParaRPr lang="en-US" dirty="0"/>
+            </a:p>
+            <a:p>
+              <a:pPr algn="ctr"/>
+              <a:endParaRPr lang="en-US" dirty="0"/>
+            </a:p>
+            <a:p>
+              <a:pPr algn="ctr"/>
+              <a:endParaRPr lang="en-US" dirty="0"/>
+            </a:p>
+            <a:p>
+              <a:pPr algn="ctr"/>
+              <a:endParaRPr lang="en-US" dirty="0"/>
+            </a:p>
+          </p:txBody>
+        </p:sp>
+      </p:grpSp>
+      <p:grpSp>
+        <p:nvGrpSpPr>
+          <p:cNvPr id="26" name="Group 25">
+            <a:extLst>
+              <a:ext uri="{FF2B5EF4-FFF2-40B4-BE49-F238E27FC236}">
+                <a16:creationId xmlns:a16="http://schemas.microsoft.com/office/drawing/2014/main" id="{31CFF980-DCBC-BA42-B47C-8726D3A12164}"/>
+              </a:ext>
+            </a:extLst>
+          </p:cNvPr>
+          <p:cNvGrpSpPr/>
+          <p:nvPr/>
+        </p:nvGrpSpPr>
+        <p:grpSpPr>
+          <a:xfrm>
+            <a:off x="2487607" y="1565672"/>
+            <a:ext cx="2352005" cy="3025627"/>
+            <a:chOff x="4517136" y="566928"/>
+            <a:chExt cx="4264914" cy="5486400"/>
+          </a:xfrm>
+        </p:grpSpPr>
+        <p:sp>
+          <p:nvSpPr>
+            <p:cNvPr id="27" name="Rectangle 26">
+              <a:extLst>
+                <a:ext uri="{FF2B5EF4-FFF2-40B4-BE49-F238E27FC236}">
+                  <a16:creationId xmlns:a16="http://schemas.microsoft.com/office/drawing/2014/main" id="{28991D76-082B-724D-A9F2-9BAA7282050E}"/>
+                </a:ext>
+              </a:extLst>
+            </p:cNvPr>
+            <p:cNvSpPr/>
+            <p:nvPr/>
+          </p:nvSpPr>
+          <p:spPr>
+            <a:xfrm>
+              <a:off x="4700588" y="1347596"/>
+              <a:ext cx="3929062" cy="957263"/>
+            </a:xfrm>
+            <a:prstGeom prst="rect">
+              <a:avLst/>
+            </a:prstGeom>
+            <a:ln w="28575">
+              <a:solidFill>
+                <a:schemeClr val="tx1"/>
+              </a:solidFill>
+            </a:ln>
+          </p:spPr>
+          <p:style>
+            <a:lnRef idx="2">
+              <a:schemeClr val="accent6"/>
+            </a:lnRef>
+            <a:fillRef idx="1">
+              <a:schemeClr val="lt1"/>
+            </a:fillRef>
+            <a:effectRef idx="0">
+              <a:schemeClr val="accent6"/>
+            </a:effectRef>
+            <a:fontRef idx="minor">
+              <a:schemeClr val="dk1"/>
+            </a:fontRef>
+          </p:style>
+          <p:txBody>
+            <a:bodyPr rtlCol="0" anchor="ctr"/>
+            <a:lstStyle/>
+            <a:p>
+              <a:pPr algn="ctr"/>
+              <a:r>
+                <a:rPr lang="en-US" dirty="0" err="1"/>
+                <a:t>Koord</a:t>
+              </a:r>
+              <a:r>
+                <a:rPr lang="en-US" dirty="0"/>
+                <a:t> application  </a:t>
+              </a:r>
+            </a:p>
+          </p:txBody>
+        </p:sp>
+        <p:sp>
+          <p:nvSpPr>
+            <p:cNvPr id="28" name="Rectangle 27">
+              <a:extLst>
+                <a:ext uri="{FF2B5EF4-FFF2-40B4-BE49-F238E27FC236}">
+                  <a16:creationId xmlns:a16="http://schemas.microsoft.com/office/drawing/2014/main" id="{CB0B028B-D980-D342-9B5B-3BE12D8BFF6A}"/>
+                </a:ext>
+              </a:extLst>
+            </p:cNvPr>
+            <p:cNvSpPr/>
+            <p:nvPr/>
+          </p:nvSpPr>
+          <p:spPr>
+            <a:xfrm>
+              <a:off x="4700588" y="2996374"/>
+              <a:ext cx="3929062" cy="957263"/>
+            </a:xfrm>
+            <a:prstGeom prst="rect">
+              <a:avLst/>
+            </a:prstGeom>
+            <a:ln w="28575">
+              <a:solidFill>
+                <a:schemeClr val="tx1"/>
+              </a:solidFill>
+            </a:ln>
+          </p:spPr>
+          <p:style>
+            <a:lnRef idx="2">
+              <a:schemeClr val="accent6"/>
+            </a:lnRef>
+            <a:fillRef idx="1">
+              <a:schemeClr val="lt1"/>
+            </a:fillRef>
+            <a:effectRef idx="0">
+              <a:schemeClr val="accent6"/>
+            </a:effectRef>
+            <a:fontRef idx="minor">
+              <a:schemeClr val="dk1"/>
+            </a:fontRef>
+          </p:style>
+          <p:txBody>
+            <a:bodyPr rtlCol="0" anchor="ctr"/>
+            <a:lstStyle/>
+            <a:p>
+              <a:pPr algn="ctr"/>
+              <a:r>
+                <a:rPr lang="en-US" dirty="0"/>
+                <a:t>controller</a:t>
+              </a:r>
+              <a:r>
+                <a:rPr lang="en-US" baseline="-25000" dirty="0"/>
+                <a:t>1</a:t>
+              </a:r>
+              <a:endParaRPr lang="en-US" dirty="0"/>
+            </a:p>
+          </p:txBody>
+        </p:sp>
+        <p:sp>
+          <p:nvSpPr>
+            <p:cNvPr id="29" name="Rectangle 28">
+              <a:extLst>
+                <a:ext uri="{FF2B5EF4-FFF2-40B4-BE49-F238E27FC236}">
+                  <a16:creationId xmlns:a16="http://schemas.microsoft.com/office/drawing/2014/main" id="{AD3C4B2F-D8C6-1142-B86E-4F9FA8FF25E7}"/>
+                </a:ext>
+              </a:extLst>
+            </p:cNvPr>
+            <p:cNvSpPr/>
+            <p:nvPr/>
+          </p:nvSpPr>
+          <p:spPr>
+            <a:xfrm>
+              <a:off x="4700588" y="4627054"/>
+              <a:ext cx="3929062" cy="957263"/>
+            </a:xfrm>
+            <a:prstGeom prst="rect">
+              <a:avLst/>
+            </a:prstGeom>
+            <a:ln w="28575">
+              <a:solidFill>
+                <a:schemeClr val="tx1"/>
+              </a:solidFill>
+            </a:ln>
+          </p:spPr>
+          <p:style>
+            <a:lnRef idx="2">
+              <a:schemeClr val="accent6"/>
+            </a:lnRef>
+            <a:fillRef idx="1">
+              <a:schemeClr val="lt1"/>
+            </a:fillRef>
+            <a:effectRef idx="0">
+              <a:schemeClr val="accent6"/>
+            </a:effectRef>
+            <a:fontRef idx="minor">
+              <a:schemeClr val="dk1"/>
+            </a:fontRef>
+          </p:style>
+          <p:txBody>
+            <a:bodyPr rtlCol="0" anchor="ctr"/>
+            <a:lstStyle/>
+            <a:p>
+              <a:pPr algn="ctr"/>
+              <a:r>
+                <a:rPr lang="en-US" dirty="0"/>
+                <a:t>plant</a:t>
+              </a:r>
+              <a:r>
+                <a:rPr lang="en-US" baseline="-25000" dirty="0"/>
+                <a:t>1</a:t>
+              </a:r>
+              <a:endParaRPr lang="en-US" dirty="0"/>
+            </a:p>
+          </p:txBody>
+        </p:sp>
+        <p:cxnSp>
+          <p:nvCxnSpPr>
+            <p:cNvPr id="30" name="Straight Arrow Connector 29">
+              <a:extLst>
+                <a:ext uri="{FF2B5EF4-FFF2-40B4-BE49-F238E27FC236}">
+                  <a16:creationId xmlns:a16="http://schemas.microsoft.com/office/drawing/2014/main" id="{EC562DA5-31FC-A34D-ACE9-DA06F1CD6903}"/>
+                </a:ext>
+              </a:extLst>
+            </p:cNvPr>
+            <p:cNvCxnSpPr>
+              <a:cxnSpLocks/>
+            </p:cNvCxnSpPr>
+            <p:nvPr/>
+          </p:nvCxnSpPr>
+          <p:spPr>
+            <a:xfrm flipV="1">
+              <a:off x="5699760" y="2304859"/>
+              <a:ext cx="0" cy="691515"/>
+            </a:xfrm>
+            <a:prstGeom prst="straightConnector1">
+              <a:avLst/>
+            </a:prstGeom>
+            <a:ln w="34925">
+              <a:solidFill>
+                <a:schemeClr val="tx1"/>
+              </a:solidFill>
+              <a:headEnd type="oval"/>
+              <a:tailEnd type="triangle"/>
+            </a:ln>
+          </p:spPr>
+          <p:style>
+            <a:lnRef idx="1">
+              <a:schemeClr val="accent1"/>
+            </a:lnRef>
+            <a:fillRef idx="0">
+              <a:schemeClr val="accent1"/>
+            </a:fillRef>
+            <a:effectRef idx="0">
+              <a:schemeClr val="accent1"/>
+            </a:effectRef>
+            <a:fontRef idx="minor">
+              <a:schemeClr val="tx1"/>
+            </a:fontRef>
+          </p:style>
+        </p:cxnSp>
+        <p:cxnSp>
+          <p:nvCxnSpPr>
+            <p:cNvPr id="31" name="Straight Arrow Connector 30">
+              <a:extLst>
+                <a:ext uri="{FF2B5EF4-FFF2-40B4-BE49-F238E27FC236}">
+                  <a16:creationId xmlns:a16="http://schemas.microsoft.com/office/drawing/2014/main" id="{A831C5FF-96A3-4E43-963F-682433843C34}"/>
+                </a:ext>
+              </a:extLst>
+            </p:cNvPr>
+            <p:cNvCxnSpPr>
+              <a:cxnSpLocks/>
+            </p:cNvCxnSpPr>
+            <p:nvPr/>
+          </p:nvCxnSpPr>
+          <p:spPr>
+            <a:xfrm flipV="1">
+              <a:off x="7406640" y="2304860"/>
+              <a:ext cx="0" cy="691514"/>
+            </a:xfrm>
+            <a:prstGeom prst="straightConnector1">
+              <a:avLst/>
+            </a:prstGeom>
+            <a:ln w="34925">
+              <a:solidFill>
+                <a:schemeClr val="tx1"/>
+              </a:solidFill>
+              <a:headEnd type="triangle"/>
+              <a:tailEnd type="oval"/>
+            </a:ln>
+          </p:spPr>
+          <p:style>
+            <a:lnRef idx="1">
+              <a:schemeClr val="accent1"/>
+            </a:lnRef>
+            <a:fillRef idx="0">
+              <a:schemeClr val="accent1"/>
+            </a:fillRef>
+            <a:effectRef idx="0">
+              <a:schemeClr val="accent1"/>
+            </a:effectRef>
+            <a:fontRef idx="minor">
+              <a:schemeClr val="tx1"/>
+            </a:fontRef>
+          </p:style>
+        </p:cxnSp>
+        <p:cxnSp>
+          <p:nvCxnSpPr>
+            <p:cNvPr id="32" name="Straight Arrow Connector 31">
+              <a:extLst>
+                <a:ext uri="{FF2B5EF4-FFF2-40B4-BE49-F238E27FC236}">
+                  <a16:creationId xmlns:a16="http://schemas.microsoft.com/office/drawing/2014/main" id="{A54E4B29-26E9-734B-B299-5F12A9F80298}"/>
+                </a:ext>
+              </a:extLst>
+            </p:cNvPr>
+            <p:cNvCxnSpPr/>
+            <p:nvPr/>
+          </p:nvCxnSpPr>
+          <p:spPr>
+            <a:xfrm>
+              <a:off x="5699760" y="3953637"/>
+              <a:ext cx="0" cy="691515"/>
+            </a:xfrm>
+            <a:prstGeom prst="straightConnector1">
+              <a:avLst/>
+            </a:prstGeom>
+            <a:ln w="34925">
+              <a:solidFill>
+                <a:schemeClr val="tx1"/>
+              </a:solidFill>
+              <a:tailEnd type="triangle"/>
+            </a:ln>
+          </p:spPr>
+          <p:style>
+            <a:lnRef idx="1">
+              <a:schemeClr val="accent1"/>
+            </a:lnRef>
+            <a:fillRef idx="0">
+              <a:schemeClr val="accent1"/>
+            </a:fillRef>
+            <a:effectRef idx="0">
+              <a:schemeClr val="accent1"/>
+            </a:effectRef>
+            <a:fontRef idx="minor">
+              <a:schemeClr val="tx1"/>
+            </a:fontRef>
+          </p:style>
+        </p:cxnSp>
+        <p:cxnSp>
+          <p:nvCxnSpPr>
+            <p:cNvPr id="33" name="Straight Arrow Connector 32">
+              <a:extLst>
+                <a:ext uri="{FF2B5EF4-FFF2-40B4-BE49-F238E27FC236}">
+                  <a16:creationId xmlns:a16="http://schemas.microsoft.com/office/drawing/2014/main" id="{6A441EF1-C05C-ED44-AEBF-00F8513A9D71}"/>
+                </a:ext>
+              </a:extLst>
+            </p:cNvPr>
+            <p:cNvCxnSpPr>
+              <a:cxnSpLocks/>
+            </p:cNvCxnSpPr>
+            <p:nvPr/>
+          </p:nvCxnSpPr>
+          <p:spPr>
+            <a:xfrm flipV="1">
+              <a:off x="7406640" y="3953638"/>
+              <a:ext cx="0" cy="691514"/>
+            </a:xfrm>
+            <a:prstGeom prst="straightConnector1">
+              <a:avLst/>
+            </a:prstGeom>
+            <a:ln w="34925">
+              <a:solidFill>
+                <a:schemeClr val="tx1"/>
+              </a:solidFill>
+              <a:headEnd type="triangle"/>
+              <a:tailEnd type="oval"/>
+            </a:ln>
+          </p:spPr>
+          <p:style>
+            <a:lnRef idx="1">
+              <a:schemeClr val="accent1"/>
+            </a:lnRef>
+            <a:fillRef idx="0">
+              <a:schemeClr val="accent1"/>
+            </a:fillRef>
+            <a:effectRef idx="0">
+              <a:schemeClr val="accent1"/>
+            </a:effectRef>
+            <a:fontRef idx="minor">
+              <a:schemeClr val="tx1"/>
+            </a:fontRef>
+          </p:style>
+        </p:cxnSp>
+        <p:sp>
+          <p:nvSpPr>
+            <p:cNvPr id="34" name="Rectangle 33">
+              <a:extLst>
+                <a:ext uri="{FF2B5EF4-FFF2-40B4-BE49-F238E27FC236}">
+                  <a16:creationId xmlns:a16="http://schemas.microsoft.com/office/drawing/2014/main" id="{8C22C4BE-657B-3B4A-953C-97BE07234B02}"/>
+                </a:ext>
+              </a:extLst>
+            </p:cNvPr>
+            <p:cNvSpPr/>
+            <p:nvPr/>
+          </p:nvSpPr>
+          <p:spPr>
+            <a:xfrm>
+              <a:off x="4517136" y="566928"/>
+              <a:ext cx="4264914" cy="5486400"/>
+            </a:xfrm>
+            <a:prstGeom prst="rect">
+              <a:avLst/>
+            </a:prstGeom>
+            <a:noFill/>
+            <a:ln w="28575">
+              <a:solidFill>
+                <a:schemeClr val="tx1"/>
+              </a:solidFill>
+            </a:ln>
+          </p:spPr>
+          <p:style>
+            <a:lnRef idx="2">
+              <a:schemeClr val="accent6"/>
+            </a:lnRef>
+            <a:fillRef idx="1">
+              <a:schemeClr val="lt1"/>
+            </a:fillRef>
+            <a:effectRef idx="0">
+              <a:schemeClr val="accent6"/>
+            </a:effectRef>
+            <a:fontRef idx="minor">
+              <a:schemeClr val="dk1"/>
+            </a:fontRef>
+          </p:style>
+          <p:txBody>
+            <a:bodyPr rtlCol="0" anchor="ctr"/>
+            <a:lstStyle/>
+            <a:p>
+              <a:pPr algn="ctr"/>
+              <a:r>
+                <a:rPr lang="en-US" dirty="0"/>
+                <a:t>agent</a:t>
+              </a:r>
+              <a:r>
+                <a:rPr lang="en-US" baseline="-25000" dirty="0"/>
+                <a:t>1</a:t>
+              </a:r>
+              <a:endParaRPr lang="en-US" dirty="0"/>
+            </a:p>
+            <a:p>
+              <a:pPr algn="ctr"/>
+              <a:endParaRPr lang="en-US" dirty="0"/>
+            </a:p>
+            <a:p>
+              <a:pPr algn="ctr"/>
+              <a:endParaRPr lang="en-US" dirty="0"/>
+            </a:p>
+            <a:p>
+              <a:pPr algn="ctr"/>
+              <a:endParaRPr lang="en-US" dirty="0"/>
+            </a:p>
+            <a:p>
+              <a:pPr algn="ctr"/>
+              <a:endParaRPr lang="en-US" dirty="0"/>
+            </a:p>
+            <a:p>
+              <a:pPr algn="ctr"/>
+              <a:endParaRPr lang="en-US" dirty="0"/>
+            </a:p>
+            <a:p>
+              <a:pPr algn="ctr"/>
+              <a:endParaRPr lang="en-US" dirty="0"/>
+            </a:p>
+            <a:p>
+              <a:pPr algn="ctr"/>
+              <a:endParaRPr lang="en-US" dirty="0"/>
+            </a:p>
+            <a:p>
+              <a:pPr algn="ctr"/>
+              <a:endParaRPr lang="en-US" dirty="0"/>
+            </a:p>
+            <a:p>
+              <a:pPr algn="ctr"/>
+              <a:endParaRPr lang="en-US" dirty="0"/>
+            </a:p>
+            <a:p>
+              <a:pPr algn="ctr"/>
+              <a:endParaRPr lang="en-US" dirty="0"/>
+            </a:p>
+          </p:txBody>
+        </p:sp>
+      </p:grpSp>
+      <p:sp>
+        <p:nvSpPr>
+          <p:cNvPr id="35" name="Rectangle 34">
+            <a:extLst>
+              <a:ext uri="{FF2B5EF4-FFF2-40B4-BE49-F238E27FC236}">
+                <a16:creationId xmlns:a16="http://schemas.microsoft.com/office/drawing/2014/main" id="{54BF40A6-32B3-CD4E-8D96-36105CC9DBF4}"/>
+              </a:ext>
+            </a:extLst>
+          </p:cNvPr>
+          <p:cNvSpPr/>
           <p:nvPr/>
         </p:nvSpPr>
         <p:spPr>
           <a:xfrm>
-            <a:off x="7513319" y="1812904"/>
-            <a:ext cx="2346962" cy="461665"/>
+            <a:off x="5022410" y="2891547"/>
+            <a:ext cx="2166790" cy="527909"/>
           </a:xfrm>
           <a:prstGeom prst="rect">
             <a:avLst/>
           </a:prstGeom>
-          <a:noFill/>
+          <a:ln w="28575">
+            <a:solidFill>
+              <a:schemeClr val="tx1"/>
+            </a:solidFill>
+          </a:ln>
         </p:spPr>
-        <p:txBody>
-          <a:bodyPr wrap="square" rtlCol="0">
-            <a:spAutoFit/>
-          </a:bodyPr>
-          <a:lstStyle/>
-          <a:p>
-            <a:r>
-              <a:rPr lang="en-US" sz="2400" dirty="0"/>
-              <a:t>Actuator Ports</a:t>
-            </a:r>
-          </a:p>
-        </p:txBody>
-      </p:sp>
-      <p:sp>
-        <p:nvSpPr>
-          <p:cNvPr id="49" name="TextBox 48">
-            <a:extLst>
-              <a:ext uri="{FF2B5EF4-FFF2-40B4-BE49-F238E27FC236}">
-                <a16:creationId xmlns:a16="http://schemas.microsoft.com/office/drawing/2014/main" id="{C1E776CD-40D8-544A-BA2F-C822EDB0AA61}"/>
-              </a:ext>
-            </a:extLst>
-          </p:cNvPr>
-          <p:cNvSpPr txBox="1"/>
+        <p:style>
+          <a:lnRef idx="2">
+            <a:schemeClr val="accent6"/>
+          </a:lnRef>
+          <a:fillRef idx="1">
+            <a:schemeClr val="lt1"/>
+          </a:fillRef>
+          <a:effectRef idx="0">
+            <a:schemeClr val="accent6"/>
+          </a:effectRef>
+          <a:fontRef idx="minor">
+            <a:schemeClr val="dk1"/>
+          </a:fontRef>
+        </p:style>
+        <p:txBody>
+          <a:bodyPr rtlCol="0" anchor="ctr"/>
+          <a:lstStyle/>
+          <a:p>
+            <a:pPr algn="ctr"/>
+            <a:r>
+              <a:rPr lang="en-US" dirty="0"/>
+              <a:t>message channels</a:t>
+            </a:r>
+          </a:p>
+        </p:txBody>
+      </p:sp>
+      <p:sp>
+        <p:nvSpPr>
+          <p:cNvPr id="36" name="Rectangle 35">
+            <a:extLst>
+              <a:ext uri="{FF2B5EF4-FFF2-40B4-BE49-F238E27FC236}">
+                <a16:creationId xmlns:a16="http://schemas.microsoft.com/office/drawing/2014/main" id="{BDA310E9-AA9C-1442-A035-A3E7888D04B0}"/>
+              </a:ext>
+            </a:extLst>
+          </p:cNvPr>
+          <p:cNvSpPr/>
           <p:nvPr/>
         </p:nvSpPr>
         <p:spPr>
           <a:xfrm>
-            <a:off x="3108960" y="3433435"/>
-            <a:ext cx="3246121" cy="461665"/>
+            <a:off x="5022410" y="3601628"/>
+            <a:ext cx="2166790" cy="527909"/>
           </a:xfrm>
           <a:prstGeom prst="rect">
             <a:avLst/>
           </a:prstGeom>
-          <a:noFill/>
+          <a:ln w="28575">
+            <a:solidFill>
+              <a:schemeClr val="tx1"/>
+            </a:solidFill>
+          </a:ln>
         </p:spPr>
-        <p:txBody>
-          <a:bodyPr wrap="square" rtlCol="0">
-            <a:spAutoFit/>
-          </a:bodyPr>
-          <a:lstStyle/>
-          <a:p>
-            <a:r>
-              <a:rPr lang="en-US" sz="2400" dirty="0"/>
-              <a:t>Actuator Messages </a:t>
-            </a:r>
-          </a:p>
-        </p:txBody>
-      </p:sp>
-      <p:sp>
-        <p:nvSpPr>
-          <p:cNvPr id="50" name="TextBox 49">
-            <a:extLst>
-              <a:ext uri="{FF2B5EF4-FFF2-40B4-BE49-F238E27FC236}">
-                <a16:creationId xmlns:a16="http://schemas.microsoft.com/office/drawing/2014/main" id="{5954838B-01B1-0D40-9D6D-7C33300F1B6E}"/>
-              </a:ext>
-            </a:extLst>
-          </p:cNvPr>
-          <p:cNvSpPr txBox="1"/>
-          <p:nvPr/>
-        </p:nvSpPr>
-        <p:spPr>
-          <a:xfrm>
-            <a:off x="7513319" y="3488516"/>
-            <a:ext cx="2346962" cy="461665"/>
-          </a:xfrm>
-          <a:prstGeom prst="rect">
-            <a:avLst/>
-          </a:prstGeom>
-          <a:noFill/>
-        </p:spPr>
-        <p:txBody>
-          <a:bodyPr wrap="square" rtlCol="0">
-            <a:spAutoFit/>
-          </a:bodyPr>
-          <a:lstStyle/>
-          <a:p>
-            <a:r>
-              <a:rPr lang="en-US" sz="2400" dirty="0"/>
-              <a:t>Sensor Messages</a:t>
+        <p:style>
+          <a:lnRef idx="2">
+            <a:schemeClr val="accent6"/>
+          </a:lnRef>
+          <a:fillRef idx="1">
+            <a:schemeClr val="lt1"/>
+          </a:fillRef>
+          <a:effectRef idx="0">
+            <a:schemeClr val="accent6"/>
+          </a:effectRef>
+          <a:fontRef idx="minor">
+            <a:schemeClr val="dk1"/>
+          </a:fontRef>
+        </p:style>
+        <p:txBody>
+          <a:bodyPr rtlCol="0" anchor="ctr"/>
+          <a:lstStyle/>
+          <a:p>
+            <a:pPr algn="ctr"/>
+            <a:r>
+              <a:rPr lang="en-US" dirty="0"/>
+              <a:t>message channels</a:t>
             </a:r>
           </a:p>
         </p:txBody>
@@ -3796,7 +4993,7 @@
     </p:spTree>
     <p:extLst>
       <p:ext uri="{BB962C8B-B14F-4D97-AF65-F5344CB8AC3E}">
-        <p14:creationId xmlns:p14="http://schemas.microsoft.com/office/powerpoint/2010/main" val="2537745945"/>
+        <p14:creationId xmlns:p14="http://schemas.microsoft.com/office/powerpoint/2010/main" val="3874729826"/>
       </p:ext>
     </p:extLst>
   </p:cSld>
